--- a/Data Qualities Tool.pptx
+++ b/Data Qualities Tool.pptx
@@ -8,7 +8,7 @@
     <p:sldMasterId id="2147483709" r:id="rId4"/>
   </p:sldMasterIdLst>
   <p:notesMasterIdLst>
-    <p:notesMasterId r:id="rId11"/>
+    <p:notesMasterId r:id="rId14"/>
   </p:notesMasterIdLst>
   <p:sldIdLst>
     <p:sldId id="256" r:id="rId5"/>
@@ -17,6 +17,9 @@
     <p:sldId id="260" r:id="rId8"/>
     <p:sldId id="258" r:id="rId9"/>
     <p:sldId id="261" r:id="rId10"/>
+    <p:sldId id="263" r:id="rId11"/>
+    <p:sldId id="264" r:id="rId12"/>
+    <p:sldId id="262" r:id="rId13"/>
   </p:sldIdLst>
   <p:sldSz cx="9144000" cy="6858000" type="screen4x3"/>
   <p:notesSz cx="6858000" cy="9144000"/>
@@ -145,6 +148,11 @@
       </a:defRPr>
     </a:lvl9pPr>
   </p:defaultTextStyle>
+  <p:extLst>
+    <p:ext uri="{EFAFB233-063F-42B5-8137-9DF3F51BA10A}">
+      <p15:sldGuideLst xmlns:p15="http://schemas.microsoft.com/office/powerpoint/2012/main"/>
+    </p:ext>
+  </p:extLst>
 </p:presentation>
 </file>
 
@@ -16873,7 +16881,7 @@
           <a:p>
             <a:fld id="{8FEF113B-0C44-4B68-92B9-FFBCD4579DFA}" type="datetime8">
               <a:rPr lang="en-GB" smtClean="0"/>
-              <a:t>2021-10-28 13:56</a:t>
+              <a:t>2021-10-28 14:35</a:t>
             </a:fld>
             <a:endParaRPr lang="en-GB" dirty="0"/>
           </a:p>
@@ -19347,7 +19355,7 @@
           <a:p>
             <a:r>
               <a:rPr lang="en-GB" dirty="0"/>
-              <a:t>Questions</a:t>
+              <a:t>CDAP User Experience</a:t>
             </a:r>
           </a:p>
         </p:txBody>
@@ -19386,24 +19394,9 @@
           <a:p>
             <a:fld id="{7B845D44-04D4-48B0-BF7B-C74AA2D982C4}" type="datetime8">
               <a:rPr lang="en-GB" smtClean="0"/>
-              <a:t>2021-10-28 13:56</a:t>
+              <a:t>2021-10-28 14:35</a:t>
             </a:fld>
             <a:endParaRPr lang="en-GB" dirty="0"/>
-          </a:p>
-          <a:p>
-            <a:endParaRPr lang="en-GB" sz="1200" dirty="0"/>
-          </a:p>
-          <a:p>
-            <a:r>
-              <a:rPr lang="en-GB" sz="1200" dirty="0"/>
-              <a:t>https://el2-prd-connect.azure.defra.cloud/content/14/</a:t>
-            </a:r>
-          </a:p>
-          <a:p>
-            <a:r>
-              <a:rPr lang="en-GB" sz="1200" dirty="0"/>
-              <a:t>https://github.com/Defra-Data-Science-Centre-of-Excellence/MS2_DataQuality/ </a:t>
-            </a:r>
           </a:p>
           <a:p>
             <a:endParaRPr lang="en-GB" dirty="0"/>
@@ -19414,6 +19407,1145 @@
     <p:extLst>
       <p:ext uri="{BB962C8B-B14F-4D97-AF65-F5344CB8AC3E}">
         <p14:creationId xmlns:p14="http://schemas.microsoft.com/office/powerpoint/2010/main" val="337121890"/>
+      </p:ext>
+    </p:extLst>
+  </p:cSld>
+  <p:clrMapOvr>
+    <a:masterClrMapping/>
+  </p:clrMapOvr>
+  <p:transition/>
+</p:sld>
+</file>
+
+<file path=ppt/slides/slide7.xml><?xml version="1.0" encoding="utf-8"?>
+<p:sld xmlns:a="http://schemas.openxmlformats.org/drawingml/2006/main" xmlns:r="http://schemas.openxmlformats.org/officeDocument/2006/relationships" xmlns:p="http://schemas.openxmlformats.org/presentationml/2006/main">
+  <p:cSld>
+    <p:spTree>
+      <p:nvGrpSpPr>
+        <p:cNvPr id="1" name=""/>
+        <p:cNvGrpSpPr/>
+        <p:nvPr/>
+      </p:nvGrpSpPr>
+      <p:grpSpPr>
+        <a:xfrm>
+          <a:off x="0" y="0"/>
+          <a:ext cx="0" cy="0"/>
+          <a:chOff x="0" y="0"/>
+          <a:chExt cx="0" cy="0"/>
+        </a:xfrm>
+      </p:grpSpPr>
+      <p:sp>
+        <p:nvSpPr>
+          <p:cNvPr id="2" name="Title 1">
+            <a:extLst>
+              <a:ext uri="{FF2B5EF4-FFF2-40B4-BE49-F238E27FC236}">
+                <a16:creationId xmlns:a16="http://schemas.microsoft.com/office/drawing/2014/main" id="{3A3D36A3-4EDA-4A25-82F3-DE9AED4F6E9B}"/>
+              </a:ext>
+            </a:extLst>
+          </p:cNvPr>
+          <p:cNvSpPr>
+            <a:spLocks noGrp="1"/>
+          </p:cNvSpPr>
+          <p:nvPr>
+            <p:ph type="title"/>
+          </p:nvPr>
+        </p:nvSpPr>
+        <p:spPr/>
+        <p:txBody>
+          <a:bodyPr/>
+          <a:lstStyle/>
+          <a:p>
+            <a:r>
+              <a:rPr lang="en-GB" dirty="0"/>
+              <a:t>I have used</a:t>
+            </a:r>
+          </a:p>
+        </p:txBody>
+      </p:sp>
+      <p:sp>
+        <p:nvSpPr>
+          <p:cNvPr id="3" name="Content Placeholder 2">
+            <a:extLst>
+              <a:ext uri="{FF2B5EF4-FFF2-40B4-BE49-F238E27FC236}">
+                <a16:creationId xmlns:a16="http://schemas.microsoft.com/office/drawing/2014/main" id="{273DA98F-9B3B-4779-BABA-518B4D5EDD03}"/>
+              </a:ext>
+            </a:extLst>
+          </p:cNvPr>
+          <p:cNvSpPr>
+            <a:spLocks noGrp="1"/>
+          </p:cNvSpPr>
+          <p:nvPr>
+            <p:ph idx="1"/>
+          </p:nvPr>
+        </p:nvSpPr>
+        <p:spPr>
+          <a:xfrm>
+            <a:off x="439740" y="1219582"/>
+            <a:ext cx="8264525" cy="4961618"/>
+          </a:xfrm>
+        </p:spPr>
+        <p:txBody>
+          <a:bodyPr/>
+          <a:lstStyle/>
+          <a:p>
+            <a:pPr marL="0" indent="0">
+              <a:buNone/>
+            </a:pPr>
+            <a:endParaRPr lang="en-GB" dirty="0"/>
+          </a:p>
+          <a:p>
+            <a:pPr>
+              <a:buFontTx/>
+              <a:buChar char="-"/>
+            </a:pPr>
+            <a:r>
+              <a:rPr lang="en-GB" dirty="0"/>
+              <a:t>Workspaces</a:t>
+            </a:r>
+          </a:p>
+          <a:p>
+            <a:pPr>
+              <a:buFontTx/>
+              <a:buChar char="-"/>
+            </a:pPr>
+            <a:r>
+              <a:rPr lang="en-GB" dirty="0"/>
+              <a:t>Notebooks</a:t>
+            </a:r>
+          </a:p>
+          <a:p>
+            <a:pPr>
+              <a:buFontTx/>
+              <a:buChar char="-"/>
+            </a:pPr>
+            <a:r>
+              <a:rPr lang="en-GB" dirty="0"/>
+              <a:t>Jobs</a:t>
+            </a:r>
+          </a:p>
+          <a:p>
+            <a:pPr>
+              <a:buFontTx/>
+              <a:buChar char="-"/>
+            </a:pPr>
+            <a:r>
+              <a:rPr lang="en-GB" dirty="0"/>
+              <a:t>Repos</a:t>
+            </a:r>
+          </a:p>
+          <a:p>
+            <a:pPr>
+              <a:buFontTx/>
+              <a:buChar char="-"/>
+            </a:pPr>
+            <a:r>
+              <a:rPr lang="en-GB" dirty="0"/>
+              <a:t>RStudio Connect</a:t>
+            </a:r>
+          </a:p>
+          <a:p>
+            <a:pPr>
+              <a:buFontTx/>
+              <a:buChar char="-"/>
+            </a:pPr>
+            <a:endParaRPr lang="en-GB" dirty="0"/>
+          </a:p>
+          <a:p>
+            <a:pPr marL="0" indent="0">
+              <a:buNone/>
+            </a:pPr>
+            <a:endParaRPr lang="en-GB" dirty="0"/>
+          </a:p>
+          <a:p>
+            <a:pPr marL="0" indent="0">
+              <a:buNone/>
+            </a:pPr>
+            <a:endParaRPr lang="en-GB" dirty="0"/>
+          </a:p>
+          <a:p>
+            <a:pPr marL="0" indent="0">
+              <a:buNone/>
+            </a:pPr>
+            <a:endParaRPr lang="en-GB" dirty="0"/>
+          </a:p>
+          <a:p>
+            <a:pPr marL="0" indent="0">
+              <a:buNone/>
+            </a:pPr>
+            <a:endParaRPr lang="en-GB" dirty="0"/>
+          </a:p>
+        </p:txBody>
+      </p:sp>
+      <p:sp>
+        <p:nvSpPr>
+          <p:cNvPr id="5" name="Footer Placeholder 4">
+            <a:extLst>
+              <a:ext uri="{FF2B5EF4-FFF2-40B4-BE49-F238E27FC236}">
+                <a16:creationId xmlns:a16="http://schemas.microsoft.com/office/drawing/2014/main" id="{EEC81F7B-4965-4E96-AE22-EE0B2EF10B6D}"/>
+              </a:ext>
+            </a:extLst>
+          </p:cNvPr>
+          <p:cNvSpPr>
+            <a:spLocks noGrp="1"/>
+          </p:cNvSpPr>
+          <p:nvPr>
+            <p:ph type="ftr" sz="quarter" idx="10"/>
+          </p:nvPr>
+        </p:nvSpPr>
+        <p:spPr/>
+        <p:txBody>
+          <a:bodyPr/>
+          <a:lstStyle/>
+          <a:p>
+            <a:r>
+              <a:rPr lang="en-GB"/>
+              <a:t>Data Qualities Tool</a:t>
+            </a:r>
+          </a:p>
+        </p:txBody>
+      </p:sp>
+      <p:sp>
+        <p:nvSpPr>
+          <p:cNvPr id="6" name="Slide Number Placeholder 5">
+            <a:extLst>
+              <a:ext uri="{FF2B5EF4-FFF2-40B4-BE49-F238E27FC236}">
+                <a16:creationId xmlns:a16="http://schemas.microsoft.com/office/drawing/2014/main" id="{52B24E40-C4D9-4F88-9E4A-158FC290F988}"/>
+              </a:ext>
+            </a:extLst>
+          </p:cNvPr>
+          <p:cNvSpPr>
+            <a:spLocks noGrp="1"/>
+          </p:cNvSpPr>
+          <p:nvPr>
+            <p:ph type="sldNum" sz="quarter" idx="11"/>
+          </p:nvPr>
+        </p:nvSpPr>
+        <p:spPr/>
+        <p:txBody>
+          <a:bodyPr/>
+          <a:lstStyle/>
+          <a:p>
+            <a:fld id="{DD5406A4-11E7-43D0-A3A9-756F7FC86C53}" type="slidenum">
+              <a:rPr lang="en-GB" smtClean="0"/>
+              <a:t>7</a:t>
+            </a:fld>
+            <a:endParaRPr lang="en-GB"/>
+          </a:p>
+        </p:txBody>
+      </p:sp>
+      <p:pic>
+        <p:nvPicPr>
+          <p:cNvPr id="7" name="Picture 6">
+            <a:extLst>
+              <a:ext uri="{FF2B5EF4-FFF2-40B4-BE49-F238E27FC236}">
+                <a16:creationId xmlns:a16="http://schemas.microsoft.com/office/drawing/2014/main" id="{D01FDC28-3231-4C9F-AF55-72ABE64397E9}"/>
+              </a:ext>
+            </a:extLst>
+          </p:cNvPr>
+          <p:cNvPicPr>
+            <a:picLocks noChangeAspect="1"/>
+          </p:cNvPicPr>
+          <p:nvPr/>
+        </p:nvPicPr>
+        <p:blipFill>
+          <a:blip r:embed="rId2"/>
+          <a:stretch>
+            <a:fillRect/>
+          </a:stretch>
+        </p:blipFill>
+        <p:spPr>
+          <a:xfrm>
+            <a:off x="2866881" y="104329"/>
+            <a:ext cx="2261570" cy="2879226"/>
+          </a:xfrm>
+          <a:prstGeom prst="rect">
+            <a:avLst/>
+          </a:prstGeom>
+        </p:spPr>
+      </p:pic>
+      <p:pic>
+        <p:nvPicPr>
+          <p:cNvPr id="9" name="Picture 8">
+            <a:extLst>
+              <a:ext uri="{FF2B5EF4-FFF2-40B4-BE49-F238E27FC236}">
+                <a16:creationId xmlns:a16="http://schemas.microsoft.com/office/drawing/2014/main" id="{93ABFC70-9AD2-4519-84C3-5D6F536B8234}"/>
+              </a:ext>
+            </a:extLst>
+          </p:cNvPr>
+          <p:cNvPicPr>
+            <a:picLocks noChangeAspect="1"/>
+          </p:cNvPicPr>
+          <p:nvPr/>
+        </p:nvPicPr>
+        <p:blipFill>
+          <a:blip r:embed="rId3"/>
+          <a:stretch>
+            <a:fillRect/>
+          </a:stretch>
+        </p:blipFill>
+        <p:spPr>
+          <a:xfrm>
+            <a:off x="5596424" y="196468"/>
+            <a:ext cx="3322589" cy="1023114"/>
+          </a:xfrm>
+          <a:prstGeom prst="rect">
+            <a:avLst/>
+          </a:prstGeom>
+        </p:spPr>
+      </p:pic>
+      <p:pic>
+        <p:nvPicPr>
+          <p:cNvPr id="11" name="Picture 10">
+            <a:extLst>
+              <a:ext uri="{FF2B5EF4-FFF2-40B4-BE49-F238E27FC236}">
+                <a16:creationId xmlns:a16="http://schemas.microsoft.com/office/drawing/2014/main" id="{293D2BF1-96DE-470E-841B-52224057E7A7}"/>
+              </a:ext>
+            </a:extLst>
+          </p:cNvPr>
+          <p:cNvPicPr>
+            <a:picLocks noChangeAspect="1"/>
+          </p:cNvPicPr>
+          <p:nvPr/>
+        </p:nvPicPr>
+        <p:blipFill>
+          <a:blip r:embed="rId4"/>
+          <a:stretch>
+            <a:fillRect/>
+          </a:stretch>
+        </p:blipFill>
+        <p:spPr>
+          <a:xfrm>
+            <a:off x="5475646" y="1740054"/>
+            <a:ext cx="3121462" cy="1524581"/>
+          </a:xfrm>
+          <a:prstGeom prst="rect">
+            <a:avLst/>
+          </a:prstGeom>
+        </p:spPr>
+      </p:pic>
+      <p:pic>
+        <p:nvPicPr>
+          <p:cNvPr id="13" name="Picture 12">
+            <a:extLst>
+              <a:ext uri="{FF2B5EF4-FFF2-40B4-BE49-F238E27FC236}">
+                <a16:creationId xmlns:a16="http://schemas.microsoft.com/office/drawing/2014/main" id="{1C4D8631-C8C5-444C-ADF5-D0C2425C000A}"/>
+              </a:ext>
+            </a:extLst>
+          </p:cNvPr>
+          <p:cNvPicPr>
+            <a:picLocks noChangeAspect="1"/>
+          </p:cNvPicPr>
+          <p:nvPr/>
+        </p:nvPicPr>
+        <p:blipFill>
+          <a:blip r:embed="rId5"/>
+          <a:stretch>
+            <a:fillRect/>
+          </a:stretch>
+        </p:blipFill>
+        <p:spPr>
+          <a:xfrm>
+            <a:off x="762102" y="3424849"/>
+            <a:ext cx="3883555" cy="2056873"/>
+          </a:xfrm>
+          <a:prstGeom prst="rect">
+            <a:avLst/>
+          </a:prstGeom>
+        </p:spPr>
+      </p:pic>
+      <p:pic>
+        <p:nvPicPr>
+          <p:cNvPr id="15" name="Picture 14">
+            <a:extLst>
+              <a:ext uri="{FF2B5EF4-FFF2-40B4-BE49-F238E27FC236}">
+                <a16:creationId xmlns:a16="http://schemas.microsoft.com/office/drawing/2014/main" id="{27EC8FEC-2E6F-4399-843F-762A64E09AD3}"/>
+              </a:ext>
+            </a:extLst>
+          </p:cNvPr>
+          <p:cNvPicPr>
+            <a:picLocks noChangeAspect="1"/>
+          </p:cNvPicPr>
+          <p:nvPr/>
+        </p:nvPicPr>
+        <p:blipFill>
+          <a:blip r:embed="rId6"/>
+          <a:stretch>
+            <a:fillRect/>
+          </a:stretch>
+        </p:blipFill>
+        <p:spPr>
+          <a:xfrm>
+            <a:off x="5302049" y="3328733"/>
+            <a:ext cx="2745824" cy="2615484"/>
+          </a:xfrm>
+          <a:prstGeom prst="rect">
+            <a:avLst/>
+          </a:prstGeom>
+        </p:spPr>
+      </p:pic>
+      <p:cxnSp>
+        <p:nvCxnSpPr>
+          <p:cNvPr id="17" name="Straight Arrow Connector 16">
+            <a:extLst>
+              <a:ext uri="{FF2B5EF4-FFF2-40B4-BE49-F238E27FC236}">
+                <a16:creationId xmlns:a16="http://schemas.microsoft.com/office/drawing/2014/main" id="{36FBF668-F12F-44A8-8BE8-DFA025D8B3AA}"/>
+              </a:ext>
+            </a:extLst>
+          </p:cNvPr>
+          <p:cNvCxnSpPr>
+            <a:cxnSpLocks/>
+          </p:cNvCxnSpPr>
+          <p:nvPr/>
+        </p:nvCxnSpPr>
+        <p:spPr>
+          <a:xfrm flipV="1">
+            <a:off x="1662545" y="1124480"/>
+            <a:ext cx="1204336" cy="884077"/>
+          </a:xfrm>
+          <a:prstGeom prst="straightConnector1">
+            <a:avLst/>
+          </a:prstGeom>
+          <a:ln w="28575">
+            <a:tailEnd type="triangle"/>
+          </a:ln>
+        </p:spPr>
+        <p:style>
+          <a:lnRef idx="1">
+            <a:schemeClr val="accent1"/>
+          </a:lnRef>
+          <a:fillRef idx="0">
+            <a:schemeClr val="accent1"/>
+          </a:fillRef>
+          <a:effectRef idx="0">
+            <a:schemeClr val="accent1"/>
+          </a:effectRef>
+          <a:fontRef idx="minor">
+            <a:schemeClr val="tx1"/>
+          </a:fontRef>
+        </p:style>
+      </p:cxnSp>
+      <p:cxnSp>
+        <p:nvCxnSpPr>
+          <p:cNvPr id="21" name="Straight Arrow Connector 20">
+            <a:extLst>
+              <a:ext uri="{FF2B5EF4-FFF2-40B4-BE49-F238E27FC236}">
+                <a16:creationId xmlns:a16="http://schemas.microsoft.com/office/drawing/2014/main" id="{76F026F5-9E79-4816-BBCE-2A71387794CA}"/>
+              </a:ext>
+            </a:extLst>
+          </p:cNvPr>
+          <p:cNvCxnSpPr>
+            <a:cxnSpLocks/>
+            <a:endCxn id="9" idx="1"/>
+          </p:cNvCxnSpPr>
+          <p:nvPr/>
+        </p:nvCxnSpPr>
+        <p:spPr>
+          <a:xfrm flipV="1">
+            <a:off x="1208746" y="708025"/>
+            <a:ext cx="4387678" cy="1593134"/>
+          </a:xfrm>
+          <a:prstGeom prst="straightConnector1">
+            <a:avLst/>
+          </a:prstGeom>
+          <a:ln w="28575">
+            <a:tailEnd type="triangle"/>
+          </a:ln>
+        </p:spPr>
+        <p:style>
+          <a:lnRef idx="1">
+            <a:schemeClr val="accent1"/>
+          </a:lnRef>
+          <a:fillRef idx="0">
+            <a:schemeClr val="accent1"/>
+          </a:fillRef>
+          <a:effectRef idx="0">
+            <a:schemeClr val="accent1"/>
+          </a:effectRef>
+          <a:fontRef idx="minor">
+            <a:schemeClr val="tx1"/>
+          </a:fontRef>
+        </p:style>
+      </p:cxnSp>
+      <p:cxnSp>
+        <p:nvCxnSpPr>
+          <p:cNvPr id="23" name="Straight Arrow Connector 22">
+            <a:extLst>
+              <a:ext uri="{FF2B5EF4-FFF2-40B4-BE49-F238E27FC236}">
+                <a16:creationId xmlns:a16="http://schemas.microsoft.com/office/drawing/2014/main" id="{6AF35109-09DF-4E0D-A104-4B41606BE0B3}"/>
+              </a:ext>
+            </a:extLst>
+          </p:cNvPr>
+          <p:cNvCxnSpPr>
+            <a:cxnSpLocks/>
+          </p:cNvCxnSpPr>
+          <p:nvPr/>
+        </p:nvCxnSpPr>
+        <p:spPr>
+          <a:xfrm flipV="1">
+            <a:off x="1345150" y="1979940"/>
+            <a:ext cx="4130496" cy="626778"/>
+          </a:xfrm>
+          <a:prstGeom prst="straightConnector1">
+            <a:avLst/>
+          </a:prstGeom>
+          <a:ln w="28575">
+            <a:tailEnd type="triangle"/>
+          </a:ln>
+        </p:spPr>
+        <p:style>
+          <a:lnRef idx="1">
+            <a:schemeClr val="accent1"/>
+          </a:lnRef>
+          <a:fillRef idx="0">
+            <a:schemeClr val="accent1"/>
+          </a:fillRef>
+          <a:effectRef idx="0">
+            <a:schemeClr val="accent1"/>
+          </a:effectRef>
+          <a:fontRef idx="minor">
+            <a:schemeClr val="tx1"/>
+          </a:fontRef>
+        </p:style>
+      </p:cxnSp>
+      <p:cxnSp>
+        <p:nvCxnSpPr>
+          <p:cNvPr id="28" name="Straight Arrow Connector 27">
+            <a:extLst>
+              <a:ext uri="{FF2B5EF4-FFF2-40B4-BE49-F238E27FC236}">
+                <a16:creationId xmlns:a16="http://schemas.microsoft.com/office/drawing/2014/main" id="{51414EDE-5110-407D-BCAA-9B4E6A13B9D8}"/>
+              </a:ext>
+            </a:extLst>
+          </p:cNvPr>
+          <p:cNvCxnSpPr>
+            <a:cxnSpLocks/>
+          </p:cNvCxnSpPr>
+          <p:nvPr/>
+        </p:nvCxnSpPr>
+        <p:spPr>
+          <a:xfrm>
+            <a:off x="1208746" y="3023038"/>
+            <a:ext cx="372929" cy="399657"/>
+          </a:xfrm>
+          <a:prstGeom prst="straightConnector1">
+            <a:avLst/>
+          </a:prstGeom>
+          <a:ln w="28575">
+            <a:tailEnd type="triangle"/>
+          </a:ln>
+        </p:spPr>
+        <p:style>
+          <a:lnRef idx="1">
+            <a:schemeClr val="accent1"/>
+          </a:lnRef>
+          <a:fillRef idx="0">
+            <a:schemeClr val="accent1"/>
+          </a:fillRef>
+          <a:effectRef idx="0">
+            <a:schemeClr val="accent1"/>
+          </a:effectRef>
+          <a:fontRef idx="minor">
+            <a:schemeClr val="tx1"/>
+          </a:fontRef>
+        </p:style>
+      </p:cxnSp>
+      <p:cxnSp>
+        <p:nvCxnSpPr>
+          <p:cNvPr id="31" name="Straight Arrow Connector 30">
+            <a:extLst>
+              <a:ext uri="{FF2B5EF4-FFF2-40B4-BE49-F238E27FC236}">
+                <a16:creationId xmlns:a16="http://schemas.microsoft.com/office/drawing/2014/main" id="{101260D2-0C28-44BB-B872-DE4170CCA504}"/>
+              </a:ext>
+            </a:extLst>
+          </p:cNvPr>
+          <p:cNvCxnSpPr>
+            <a:cxnSpLocks/>
+          </p:cNvCxnSpPr>
+          <p:nvPr/>
+        </p:nvCxnSpPr>
+        <p:spPr>
+          <a:xfrm>
+            <a:off x="2210631" y="2927936"/>
+            <a:ext cx="3091418" cy="509584"/>
+          </a:xfrm>
+          <a:prstGeom prst="straightConnector1">
+            <a:avLst/>
+          </a:prstGeom>
+          <a:ln w="28575">
+            <a:tailEnd type="triangle"/>
+          </a:ln>
+        </p:spPr>
+        <p:style>
+          <a:lnRef idx="1">
+            <a:schemeClr val="accent1"/>
+          </a:lnRef>
+          <a:fillRef idx="0">
+            <a:schemeClr val="accent1"/>
+          </a:fillRef>
+          <a:effectRef idx="0">
+            <a:schemeClr val="accent1"/>
+          </a:effectRef>
+          <a:fontRef idx="minor">
+            <a:schemeClr val="tx1"/>
+          </a:fontRef>
+        </p:style>
+      </p:cxnSp>
+    </p:spTree>
+    <p:extLst>
+      <p:ext uri="{BB962C8B-B14F-4D97-AF65-F5344CB8AC3E}">
+        <p14:creationId xmlns:p14="http://schemas.microsoft.com/office/powerpoint/2010/main" val="2054395148"/>
+      </p:ext>
+    </p:extLst>
+  </p:cSld>
+  <p:clrMapOvr>
+    <a:masterClrMapping/>
+  </p:clrMapOvr>
+  <p:transition/>
+</p:sld>
+</file>
+
+<file path=ppt/slides/slide8.xml><?xml version="1.0" encoding="utf-8"?>
+<p:sld xmlns:a="http://schemas.openxmlformats.org/drawingml/2006/main" xmlns:r="http://schemas.openxmlformats.org/officeDocument/2006/relationships" xmlns:p="http://schemas.openxmlformats.org/presentationml/2006/main">
+  <p:cSld>
+    <p:spTree>
+      <p:nvGrpSpPr>
+        <p:cNvPr id="1" name=""/>
+        <p:cNvGrpSpPr/>
+        <p:nvPr/>
+      </p:nvGrpSpPr>
+      <p:grpSpPr>
+        <a:xfrm>
+          <a:off x="0" y="0"/>
+          <a:ext cx="0" cy="0"/>
+          <a:chOff x="0" y="0"/>
+          <a:chExt cx="0" cy="0"/>
+        </a:xfrm>
+      </p:grpSpPr>
+      <p:sp>
+        <p:nvSpPr>
+          <p:cNvPr id="2" name="Title 1">
+            <a:extLst>
+              <a:ext uri="{FF2B5EF4-FFF2-40B4-BE49-F238E27FC236}">
+                <a16:creationId xmlns:a16="http://schemas.microsoft.com/office/drawing/2014/main" id="{D6839A80-C893-4D96-8268-175E529C8B78}"/>
+              </a:ext>
+            </a:extLst>
+          </p:cNvPr>
+          <p:cNvSpPr>
+            <a:spLocks noGrp="1"/>
+          </p:cNvSpPr>
+          <p:nvPr>
+            <p:ph type="title"/>
+          </p:nvPr>
+        </p:nvSpPr>
+        <p:spPr/>
+        <p:txBody>
+          <a:bodyPr/>
+          <a:lstStyle/>
+          <a:p>
+            <a:r>
+              <a:rPr lang="en-GB" dirty="0"/>
+              <a:t>Just my experience</a:t>
+            </a:r>
+          </a:p>
+        </p:txBody>
+      </p:sp>
+      <p:sp>
+        <p:nvSpPr>
+          <p:cNvPr id="3" name="Content Placeholder 2">
+            <a:extLst>
+              <a:ext uri="{FF2B5EF4-FFF2-40B4-BE49-F238E27FC236}">
+                <a16:creationId xmlns:a16="http://schemas.microsoft.com/office/drawing/2014/main" id="{831F6C07-797F-494C-8C01-E7BD636DC783}"/>
+              </a:ext>
+            </a:extLst>
+          </p:cNvPr>
+          <p:cNvSpPr>
+            <a:spLocks noGrp="1"/>
+          </p:cNvSpPr>
+          <p:nvPr>
+            <p:ph idx="1"/>
+          </p:nvPr>
+        </p:nvSpPr>
+        <p:spPr>
+          <a:xfrm>
+            <a:off x="439740" y="1230962"/>
+            <a:ext cx="8264525" cy="4640400"/>
+          </a:xfrm>
+        </p:spPr>
+        <p:txBody>
+          <a:bodyPr/>
+          <a:lstStyle/>
+          <a:p>
+            <a:pPr>
+              <a:buFontTx/>
+              <a:buChar char="-"/>
+            </a:pPr>
+            <a:r>
+              <a:rPr lang="en-GB" b="1" dirty="0"/>
+              <a:t>Workspaces</a:t>
+            </a:r>
+            <a:r>
+              <a:rPr lang="en-GB" dirty="0"/>
+              <a:t> I have a few, and switching is seamless.</a:t>
+            </a:r>
+          </a:p>
+          <a:p>
+            <a:endParaRPr lang="en-GB" b="1" dirty="0"/>
+          </a:p>
+          <a:p>
+            <a:pPr>
+              <a:buFontTx/>
+              <a:buChar char="-"/>
+            </a:pPr>
+            <a:r>
+              <a:rPr lang="en-GB" b="1" dirty="0"/>
+              <a:t>Notebooks</a:t>
+            </a:r>
+            <a:r>
+              <a:rPr lang="en-GB" dirty="0"/>
+              <a:t> are good, just like </a:t>
+            </a:r>
+            <a:r>
+              <a:rPr lang="en-GB" dirty="0" err="1"/>
+              <a:t>iPython</a:t>
+            </a:r>
+            <a:r>
+              <a:rPr lang="en-GB" dirty="0"/>
+              <a:t>/</a:t>
+            </a:r>
+            <a:r>
+              <a:rPr lang="en-GB" dirty="0" err="1"/>
+              <a:t>Jupyter</a:t>
+            </a:r>
+            <a:r>
+              <a:rPr lang="en-GB" dirty="0"/>
+              <a:t>, but better!</a:t>
+            </a:r>
+          </a:p>
+          <a:p>
+            <a:pPr marL="0" indent="0">
+              <a:buNone/>
+            </a:pPr>
+            <a:r>
+              <a:rPr lang="en-GB" dirty="0"/>
+              <a:t>Because Repos save these notebooks as plain Python/R so it can be run easily outside CDAP.</a:t>
+            </a:r>
+          </a:p>
+          <a:p>
+            <a:pPr marL="0" indent="0">
+              <a:buNone/>
+            </a:pPr>
+            <a:endParaRPr lang="en-GB" dirty="0"/>
+          </a:p>
+          <a:p>
+            <a:pPr>
+              <a:buFontTx/>
+              <a:buChar char="-"/>
+            </a:pPr>
+            <a:r>
+              <a:rPr lang="en-GB" b="1" dirty="0"/>
+              <a:t>Repos</a:t>
+            </a:r>
+            <a:r>
+              <a:rPr lang="en-GB" dirty="0"/>
+              <a:t> are pretty easy to use.</a:t>
+            </a:r>
+          </a:p>
+          <a:p>
+            <a:pPr marL="0" indent="0">
+              <a:buNone/>
+            </a:pPr>
+            <a:r>
+              <a:rPr lang="en-GB" dirty="0"/>
+              <a:t>Git integration is easy when you know how.</a:t>
+            </a:r>
+          </a:p>
+          <a:p>
+            <a:pPr marL="0" indent="0">
+              <a:buNone/>
+            </a:pPr>
+            <a:endParaRPr lang="en-GB" dirty="0"/>
+          </a:p>
+          <a:p>
+            <a:pPr>
+              <a:buFontTx/>
+              <a:buChar char="-"/>
+            </a:pPr>
+            <a:r>
+              <a:rPr lang="en-GB" b="1" dirty="0"/>
+              <a:t>Jobs</a:t>
+            </a:r>
+            <a:r>
+              <a:rPr lang="en-GB" dirty="0"/>
+              <a:t> are great!  I am currently running this</a:t>
+            </a:r>
+          </a:p>
+          <a:p>
+            <a:pPr marL="0" indent="0">
+              <a:buNone/>
+            </a:pPr>
+            <a:r>
+              <a:rPr lang="en-GB" dirty="0"/>
+              <a:t>data qualities tool every week.</a:t>
+            </a:r>
+          </a:p>
+          <a:p>
+            <a:pPr marL="0" indent="0">
+              <a:buNone/>
+            </a:pPr>
+            <a:endParaRPr lang="en-GB" dirty="0"/>
+          </a:p>
+          <a:p>
+            <a:pPr>
+              <a:buFontTx/>
+              <a:buChar char="-"/>
+            </a:pPr>
+            <a:r>
+              <a:rPr lang="en-GB" b="1" dirty="0"/>
+              <a:t>RStudio </a:t>
+            </a:r>
+            <a:r>
+              <a:rPr lang="en-GB" dirty="0"/>
+              <a:t>bad </a:t>
+            </a:r>
+            <a:r>
+              <a:rPr lang="en-GB" dirty="0">
+                <a:sym typeface="Wingdings" panose="05000000000000000000" pitchFamily="2" charset="2"/>
+              </a:rPr>
+              <a:t></a:t>
+            </a:r>
+          </a:p>
+          <a:p>
+            <a:pPr marL="0" indent="0">
+              <a:buNone/>
+            </a:pPr>
+            <a:r>
+              <a:rPr lang="en-GB" dirty="0"/>
+              <a:t>Terminal is very </a:t>
+            </a:r>
+            <a:r>
+              <a:rPr lang="en-GB" dirty="0" err="1"/>
+              <a:t>laggy</a:t>
+            </a:r>
+            <a:r>
+              <a:rPr lang="en-GB" dirty="0"/>
+              <a:t>.</a:t>
+            </a:r>
+            <a:br>
+              <a:rPr lang="en-GB" dirty="0"/>
+            </a:br>
+            <a:r>
+              <a:rPr lang="en-GB" dirty="0"/>
+              <a:t>The file systems aren’t well linked in reverse.</a:t>
+            </a:r>
+            <a:br>
+              <a:rPr lang="en-GB" dirty="0"/>
+            </a:br>
+            <a:r>
+              <a:rPr lang="en-GB" dirty="0"/>
+              <a:t>You have to publish to Connect, annoying for updating data.</a:t>
+            </a:r>
+            <a:br>
+              <a:rPr lang="en-GB" dirty="0"/>
+            </a:br>
+            <a:r>
+              <a:rPr lang="en-GB" dirty="0"/>
+              <a:t>But the admin UI is great for controlling the dashboard access. </a:t>
+            </a:r>
+            <a:r>
+              <a:rPr lang="en-GB" dirty="0">
+                <a:sym typeface="Wingdings" panose="05000000000000000000" pitchFamily="2" charset="2"/>
+              </a:rPr>
+              <a:t></a:t>
+            </a:r>
+            <a:br>
+              <a:rPr lang="en-GB" dirty="0">
+                <a:sym typeface="Wingdings" panose="05000000000000000000" pitchFamily="2" charset="2"/>
+              </a:rPr>
+            </a:br>
+            <a:endParaRPr lang="en-GB" dirty="0">
+              <a:sym typeface="Wingdings" panose="05000000000000000000" pitchFamily="2" charset="2"/>
+            </a:endParaRPr>
+          </a:p>
+          <a:p>
+            <a:pPr marL="0" indent="0">
+              <a:buNone/>
+            </a:pPr>
+            <a:r>
+              <a:rPr lang="en-GB" b="1" dirty="0">
+                <a:sym typeface="Wingdings" panose="05000000000000000000" pitchFamily="2" charset="2"/>
+              </a:rPr>
+              <a:t>I’ve done more so ask away!</a:t>
+            </a:r>
+          </a:p>
+        </p:txBody>
+      </p:sp>
+      <p:sp>
+        <p:nvSpPr>
+          <p:cNvPr id="4" name="Footer Placeholder 3">
+            <a:extLst>
+              <a:ext uri="{FF2B5EF4-FFF2-40B4-BE49-F238E27FC236}">
+                <a16:creationId xmlns:a16="http://schemas.microsoft.com/office/drawing/2014/main" id="{A7C45E25-D318-496C-83FE-CDA609871A4B}"/>
+              </a:ext>
+            </a:extLst>
+          </p:cNvPr>
+          <p:cNvSpPr>
+            <a:spLocks noGrp="1"/>
+          </p:cNvSpPr>
+          <p:nvPr>
+            <p:ph type="ftr" sz="quarter" idx="10"/>
+          </p:nvPr>
+        </p:nvSpPr>
+        <p:spPr/>
+        <p:txBody>
+          <a:bodyPr/>
+          <a:lstStyle/>
+          <a:p>
+            <a:r>
+              <a:rPr lang="en-GB" dirty="0"/>
+              <a:t>Data Qualities Tool</a:t>
+            </a:r>
+          </a:p>
+        </p:txBody>
+      </p:sp>
+      <p:sp>
+        <p:nvSpPr>
+          <p:cNvPr id="5" name="Slide Number Placeholder 4">
+            <a:extLst>
+              <a:ext uri="{FF2B5EF4-FFF2-40B4-BE49-F238E27FC236}">
+                <a16:creationId xmlns:a16="http://schemas.microsoft.com/office/drawing/2014/main" id="{2E93D0E0-4783-4363-8D39-224EEFE84927}"/>
+              </a:ext>
+            </a:extLst>
+          </p:cNvPr>
+          <p:cNvSpPr>
+            <a:spLocks noGrp="1"/>
+          </p:cNvSpPr>
+          <p:nvPr>
+            <p:ph type="sldNum" sz="quarter" idx="11"/>
+          </p:nvPr>
+        </p:nvSpPr>
+        <p:spPr/>
+        <p:txBody>
+          <a:bodyPr/>
+          <a:lstStyle/>
+          <a:p>
+            <a:fld id="{DD5406A4-11E7-43D0-A3A9-756F7FC86C53}" type="slidenum">
+              <a:rPr lang="en-GB" smtClean="0"/>
+              <a:t>8</a:t>
+            </a:fld>
+            <a:endParaRPr lang="en-GB"/>
+          </a:p>
+        </p:txBody>
+      </p:sp>
+      <p:pic>
+        <p:nvPicPr>
+          <p:cNvPr id="7" name="Picture 6">
+            <a:extLst>
+              <a:ext uri="{FF2B5EF4-FFF2-40B4-BE49-F238E27FC236}">
+                <a16:creationId xmlns:a16="http://schemas.microsoft.com/office/drawing/2014/main" id="{F9975D13-9184-4FB5-8C8B-65713C1668FB}"/>
+              </a:ext>
+            </a:extLst>
+          </p:cNvPr>
+          <p:cNvPicPr>
+            <a:picLocks noChangeAspect="1"/>
+          </p:cNvPicPr>
+          <p:nvPr/>
+        </p:nvPicPr>
+        <p:blipFill>
+          <a:blip r:embed="rId2"/>
+          <a:stretch>
+            <a:fillRect/>
+          </a:stretch>
+        </p:blipFill>
+        <p:spPr>
+          <a:xfrm>
+            <a:off x="4405953" y="2446423"/>
+            <a:ext cx="2281805" cy="2209478"/>
+          </a:xfrm>
+          <a:prstGeom prst="rect">
+            <a:avLst/>
+          </a:prstGeom>
+        </p:spPr>
+      </p:pic>
+      <p:pic>
+        <p:nvPicPr>
+          <p:cNvPr id="13" name="Picture 12">
+            <a:extLst>
+              <a:ext uri="{FF2B5EF4-FFF2-40B4-BE49-F238E27FC236}">
+                <a16:creationId xmlns:a16="http://schemas.microsoft.com/office/drawing/2014/main" id="{B2823738-5967-455A-AF1D-A18272EC320F}"/>
+              </a:ext>
+            </a:extLst>
+          </p:cNvPr>
+          <p:cNvPicPr>
+            <a:picLocks noChangeAspect="1"/>
+          </p:cNvPicPr>
+          <p:nvPr/>
+        </p:nvPicPr>
+        <p:blipFill>
+          <a:blip r:embed="rId3"/>
+          <a:stretch>
+            <a:fillRect/>
+          </a:stretch>
+        </p:blipFill>
+        <p:spPr>
+          <a:xfrm>
+            <a:off x="5433501" y="62925"/>
+            <a:ext cx="2344670" cy="1772799"/>
+          </a:xfrm>
+          <a:prstGeom prst="rect">
+            <a:avLst/>
+          </a:prstGeom>
+        </p:spPr>
+      </p:pic>
+      <p:pic>
+        <p:nvPicPr>
+          <p:cNvPr id="15" name="Picture 14">
+            <a:extLst>
+              <a:ext uri="{FF2B5EF4-FFF2-40B4-BE49-F238E27FC236}">
+                <a16:creationId xmlns:a16="http://schemas.microsoft.com/office/drawing/2014/main" id="{CEA0886D-7E8B-47EA-9B0F-586E262079DE}"/>
+              </a:ext>
+            </a:extLst>
+          </p:cNvPr>
+          <p:cNvPicPr>
+            <a:picLocks noChangeAspect="1"/>
+          </p:cNvPicPr>
+          <p:nvPr/>
+        </p:nvPicPr>
+        <p:blipFill>
+          <a:blip r:embed="rId4"/>
+          <a:stretch>
+            <a:fillRect/>
+          </a:stretch>
+        </p:blipFill>
+        <p:spPr>
+          <a:xfrm>
+            <a:off x="6078059" y="4763586"/>
+            <a:ext cx="2626201" cy="1389413"/>
+          </a:xfrm>
+          <a:prstGeom prst="rect">
+            <a:avLst/>
+          </a:prstGeom>
+        </p:spPr>
+      </p:pic>
+    </p:spTree>
+    <p:extLst>
+      <p:ext uri="{BB962C8B-B14F-4D97-AF65-F5344CB8AC3E}">
+        <p14:creationId xmlns:p14="http://schemas.microsoft.com/office/powerpoint/2010/main" val="3306306339"/>
+      </p:ext>
+    </p:extLst>
+  </p:cSld>
+  <p:clrMapOvr>
+    <a:masterClrMapping/>
+  </p:clrMapOvr>
+  <p:transition/>
+</p:sld>
+</file>
+
+<file path=ppt/slides/slide9.xml><?xml version="1.0" encoding="utf-8"?>
+<p:sld xmlns:a="http://schemas.openxmlformats.org/drawingml/2006/main" xmlns:r="http://schemas.openxmlformats.org/officeDocument/2006/relationships" xmlns:p="http://schemas.openxmlformats.org/presentationml/2006/main">
+  <p:cSld>
+    <p:spTree>
+      <p:nvGrpSpPr>
+        <p:cNvPr id="1" name=""/>
+        <p:cNvGrpSpPr/>
+        <p:nvPr/>
+      </p:nvGrpSpPr>
+      <p:grpSpPr>
+        <a:xfrm>
+          <a:off x="0" y="0"/>
+          <a:ext cx="0" cy="0"/>
+          <a:chOff x="0" y="0"/>
+          <a:chExt cx="0" cy="0"/>
+        </a:xfrm>
+      </p:grpSpPr>
+      <p:sp>
+        <p:nvSpPr>
+          <p:cNvPr id="2" name="Title 1">
+            <a:extLst>
+              <a:ext uri="{FF2B5EF4-FFF2-40B4-BE49-F238E27FC236}">
+                <a16:creationId xmlns:a16="http://schemas.microsoft.com/office/drawing/2014/main" id="{5A7E62AB-F394-4999-B4C3-3B7F79D507A6}"/>
+              </a:ext>
+            </a:extLst>
+          </p:cNvPr>
+          <p:cNvSpPr>
+            <a:spLocks noGrp="1"/>
+          </p:cNvSpPr>
+          <p:nvPr>
+            <p:ph type="ctrTitle"/>
+          </p:nvPr>
+        </p:nvSpPr>
+        <p:spPr/>
+        <p:txBody>
+          <a:bodyPr/>
+          <a:lstStyle/>
+          <a:p>
+            <a:r>
+              <a:rPr lang="en-GB" dirty="0"/>
+              <a:t>Questions</a:t>
+            </a:r>
+          </a:p>
+        </p:txBody>
+      </p:sp>
+      <p:sp>
+        <p:nvSpPr>
+          <p:cNvPr id="3" name="Subtitle 2">
+            <a:extLst>
+              <a:ext uri="{FF2B5EF4-FFF2-40B4-BE49-F238E27FC236}">
+                <a16:creationId xmlns:a16="http://schemas.microsoft.com/office/drawing/2014/main" id="{05C4111A-EED5-47F1-B35F-0A3EA301BDAB}"/>
+              </a:ext>
+            </a:extLst>
+          </p:cNvPr>
+          <p:cNvSpPr>
+            <a:spLocks noGrp="1"/>
+          </p:cNvSpPr>
+          <p:nvPr>
+            <p:ph type="subTitle" idx="1"/>
+          </p:nvPr>
+        </p:nvSpPr>
+        <p:spPr>
+          <a:xfrm>
+            <a:off x="431800" y="3043239"/>
+            <a:ext cx="6081104" cy="1657230"/>
+          </a:xfrm>
+        </p:spPr>
+        <p:txBody>
+          <a:bodyPr/>
+          <a:lstStyle/>
+          <a:p>
+            <a:r>
+              <a:rPr lang="en-GB" dirty="0"/>
+              <a:t>Andrew West</a:t>
+            </a:r>
+          </a:p>
+          <a:p>
+            <a:fld id="{7B845D44-04D4-48B0-BF7B-C74AA2D982C4}" type="datetime8">
+              <a:rPr lang="en-GB" smtClean="0"/>
+              <a:t>2021-10-28 14:35</a:t>
+            </a:fld>
+            <a:endParaRPr lang="en-GB" dirty="0"/>
+          </a:p>
+          <a:p>
+            <a:endParaRPr lang="en-GB" sz="1200" dirty="0"/>
+          </a:p>
+          <a:p>
+            <a:r>
+              <a:rPr lang="en-GB" sz="1200" dirty="0"/>
+              <a:t>https://el2-prd-connect.azure.defra.cloud/content/14/</a:t>
+            </a:r>
+          </a:p>
+          <a:p>
+            <a:r>
+              <a:rPr lang="en-GB" sz="1200" dirty="0"/>
+              <a:t>https://github.com/Defra-Data-Science-Centre-of-Excellence/MS2_DataQuality/ </a:t>
+            </a:r>
+          </a:p>
+          <a:p>
+            <a:endParaRPr lang="en-GB" dirty="0"/>
+          </a:p>
+        </p:txBody>
+      </p:sp>
+    </p:spTree>
+    <p:extLst>
+      <p:ext uri="{BB962C8B-B14F-4D97-AF65-F5344CB8AC3E}">
+        <p14:creationId xmlns:p14="http://schemas.microsoft.com/office/powerpoint/2010/main" val="2967706038"/>
       </p:ext>
     </p:extLst>
   </p:cSld>

--- a/Data Qualities Tool.pptx
+++ b/Data Qualities Tool.pptx
@@ -16881,7 +16881,7 @@
           <a:p>
             <a:fld id="{8FEF113B-0C44-4B68-92B9-FFBCD4579DFA}" type="datetime8">
               <a:rPr lang="en-GB" smtClean="0"/>
-              <a:t>2021-10-28 14:35</a:t>
+              <a:t>2021-10-28 15:03</a:t>
             </a:fld>
             <a:endParaRPr lang="en-GB" dirty="0"/>
           </a:p>
@@ -19394,7 +19394,7 @@
           <a:p>
             <a:fld id="{7B845D44-04D4-48B0-BF7B-C74AA2D982C4}" type="datetime8">
               <a:rPr lang="en-GB" smtClean="0"/>
-              <a:t>2021-10-28 14:35</a:t>
+              <a:t>2021-10-28 15:03</a:t>
             </a:fld>
             <a:endParaRPr lang="en-GB" dirty="0"/>
           </a:p>
@@ -20243,18 +20243,16 @@
               <a:rPr lang="en-GB" dirty="0"/>
               <a:t>You have to publish to Connect, annoying for updating data.</a:t>
             </a:r>
-            <a:br>
-              <a:rPr lang="en-GB" dirty="0"/>
-            </a:br>
-            <a:r>
-              <a:rPr lang="en-GB" dirty="0"/>
-              <a:t>But the admin UI is great for controlling the dashboard access. </a:t>
-            </a:r>
+          </a:p>
+          <a:p>
+            <a:pPr marL="0" indent="0">
+              <a:buNone/>
+            </a:pPr>
             <a:r>
               <a:rPr lang="en-GB" dirty="0">
                 <a:sym typeface="Wingdings" panose="05000000000000000000" pitchFamily="2" charset="2"/>
               </a:rPr>
-              <a:t></a:t>
+              <a:t>But RStudio Connect itself is easy to use.</a:t>
             </a:r>
             <a:br>
               <a:rPr lang="en-GB" dirty="0">
@@ -20264,17 +20262,6 @@
             <a:endParaRPr lang="en-GB" dirty="0">
               <a:sym typeface="Wingdings" panose="05000000000000000000" pitchFamily="2" charset="2"/>
             </a:endParaRPr>
-          </a:p>
-          <a:p>
-            <a:pPr marL="0" indent="0">
-              <a:buNone/>
-            </a:pPr>
-            <a:r>
-              <a:rPr lang="en-GB" b="1" dirty="0">
-                <a:sym typeface="Wingdings" panose="05000000000000000000" pitchFamily="2" charset="2"/>
-              </a:rPr>
-              <a:t>I’ve done more so ask away!</a:t>
-            </a:r>
           </a:p>
         </p:txBody>
       </p:sp>
@@ -20419,6 +20406,36 @@
           <a:xfrm>
             <a:off x="6078059" y="4763586"/>
             <a:ext cx="2626201" cy="1389413"/>
+          </a:xfrm>
+          <a:prstGeom prst="rect">
+            <a:avLst/>
+          </a:prstGeom>
+        </p:spPr>
+      </p:pic>
+      <p:pic>
+        <p:nvPicPr>
+          <p:cNvPr id="12" name="Picture 11">
+            <a:extLst>
+              <a:ext uri="{FF2B5EF4-FFF2-40B4-BE49-F238E27FC236}">
+                <a16:creationId xmlns:a16="http://schemas.microsoft.com/office/drawing/2014/main" id="{64D44970-7618-4B38-87E3-5240F6E7921C}"/>
+              </a:ext>
+            </a:extLst>
+          </p:cNvPr>
+          <p:cNvPicPr>
+            <a:picLocks noChangeAspect="1"/>
+          </p:cNvPicPr>
+          <p:nvPr/>
+        </p:nvPicPr>
+        <p:blipFill>
+          <a:blip r:embed="rId5"/>
+          <a:stretch>
+            <a:fillRect/>
+          </a:stretch>
+        </p:blipFill>
+        <p:spPr>
+          <a:xfrm rot="837954">
+            <a:off x="2283648" y="4892703"/>
+            <a:ext cx="1094063" cy="196629"/>
           </a:xfrm>
           <a:prstGeom prst="rect">
             <a:avLst/>
@@ -20518,7 +20535,7 @@
           <a:p>
             <a:fld id="{7B845D44-04D4-48B0-BF7B-C74AA2D982C4}" type="datetime8">
               <a:rPr lang="en-GB" smtClean="0"/>
-              <a:t>2021-10-28 14:35</a:t>
+              <a:t>2021-10-28 15:03</a:t>
             </a:fld>
             <a:endParaRPr lang="en-GB" dirty="0"/>
           </a:p>
